--- a/DV3_metadata_completeness_rate.pptx
+++ b/DV3_metadata_completeness_rate.pptx
@@ -115,114 +115,6 @@
 </p:presentation>
 </file>
 
-<file path=ppt/ink/ink1.xml><?xml version="1.0" encoding="utf-8"?>
-<inkml:ink xmlns:inkml="http://www.w3.org/2003/InkML">
-  <inkml:definitions>
-    <inkml:context xml:id="ctx0">
-      <inkml:inkSource xml:id="inkSrc0">
-        <inkml:traceFormat>
-          <inkml:channel name="X" type="integer" min="-2.14748E9" max="2.14748E9" units="cm"/>
-          <inkml:channel name="Y" type="integer" min="-2.14748E9" max="2.14748E9" units="cm"/>
-          <inkml:channel name="F" type="integer" max="32767" units="dev"/>
-        </inkml:traceFormat>
-        <inkml:channelProperties>
-          <inkml:channelProperty channel="X" name="resolution" value="1000" units="1/cm"/>
-          <inkml:channelProperty channel="Y" name="resolution" value="1000" units="1/cm"/>
-          <inkml:channelProperty channel="F" name="resolution" value="0" units="1/dev"/>
-        </inkml:channelProperties>
-      </inkml:inkSource>
-      <inkml:timestamp xml:id="ts0" timeString="2025-06-13T09:00:18.921"/>
-    </inkml:context>
-    <inkml:brush xml:id="br0">
-      <inkml:brushProperty name="width" value="0.2" units="cm"/>
-      <inkml:brushProperty name="height" value="0.2" units="cm"/>
-    </inkml:brush>
-  </inkml:definitions>
-  <inkml:trace contextRef="#ctx0" brushRef="#br0">1 1 24575,'6765'0'-1365</inkml:trace>
-</inkml:ink>
-</file>
-
-<file path=ppt/ink/ink2.xml><?xml version="1.0" encoding="utf-8"?>
-<inkml:ink xmlns:inkml="http://www.w3.org/2003/InkML">
-  <inkml:definitions>
-    <inkml:context xml:id="ctx0">
-      <inkml:inkSource xml:id="inkSrc0">
-        <inkml:traceFormat>
-          <inkml:channel name="X" type="integer" min="-2.14748E9" max="2.14748E9" units="cm"/>
-          <inkml:channel name="Y" type="integer" min="-2.14748E9" max="2.14748E9" units="cm"/>
-          <inkml:channel name="F" type="integer" max="32767" units="dev"/>
-        </inkml:traceFormat>
-        <inkml:channelProperties>
-          <inkml:channelProperty channel="X" name="resolution" value="1000" units="1/cm"/>
-          <inkml:channelProperty channel="Y" name="resolution" value="1000" units="1/cm"/>
-          <inkml:channelProperty channel="F" name="resolution" value="0" units="1/dev"/>
-        </inkml:channelProperties>
-      </inkml:inkSource>
-      <inkml:timestamp xml:id="ts0" timeString="2025-06-13T09:00:18.921"/>
-    </inkml:context>
-    <inkml:brush xml:id="br0">
-      <inkml:brushProperty name="width" value="0.2" units="cm"/>
-      <inkml:brushProperty name="height" value="0.2" units="cm"/>
-    </inkml:brush>
-  </inkml:definitions>
-  <inkml:trace contextRef="#ctx0" brushRef="#br0">137 137 24575,'6765'0'-1365</inkml:trace>
-</inkml:ink>
-</file>
-
-<file path=ppt/ink/ink3.xml><?xml version="1.0" encoding="utf-8"?>
-<inkml:ink xmlns:inkml="http://www.w3.org/2003/InkML">
-  <inkml:definitions>
-    <inkml:context xml:id="ctx0">
-      <inkml:inkSource xml:id="inkSrc0">
-        <inkml:traceFormat>
-          <inkml:channel name="X" type="integer" min="-2.14748E9" max="2.14748E9" units="cm"/>
-          <inkml:channel name="Y" type="integer" min="-2.14748E9" max="2.14748E9" units="cm"/>
-          <inkml:channel name="F" type="integer" max="32767" units="dev"/>
-        </inkml:traceFormat>
-        <inkml:channelProperties>
-          <inkml:channelProperty channel="X" name="resolution" value="1000" units="1/cm"/>
-          <inkml:channelProperty channel="Y" name="resolution" value="1000" units="1/cm"/>
-          <inkml:channelProperty channel="F" name="resolution" value="0" units="1/dev"/>
-        </inkml:channelProperties>
-      </inkml:inkSource>
-      <inkml:timestamp xml:id="ts0" timeString="2025-06-13T09:01:24.574"/>
-    </inkml:context>
-    <inkml:brush xml:id="br0">
-      <inkml:brushProperty name="width" value="0.2" units="cm"/>
-      <inkml:brushProperty name="height" value="0.2" units="cm"/>
-    </inkml:brush>
-  </inkml:definitions>
-  <inkml:trace contextRef="#ctx0" brushRef="#br0">1 1 24575,'7451'0'-1365</inkml:trace>
-</inkml:ink>
-</file>
-
-<file path=ppt/ink/ink4.xml><?xml version="1.0" encoding="utf-8"?>
-<inkml:ink xmlns:inkml="http://www.w3.org/2003/InkML">
-  <inkml:definitions>
-    <inkml:context xml:id="ctx0">
-      <inkml:inkSource xml:id="inkSrc0">
-        <inkml:traceFormat>
-          <inkml:channel name="X" type="integer" min="-2.14748E9" max="2.14748E9" units="cm"/>
-          <inkml:channel name="Y" type="integer" min="-2.14748E9" max="2.14748E9" units="cm"/>
-          <inkml:channel name="F" type="integer" max="32767" units="dev"/>
-        </inkml:traceFormat>
-        <inkml:channelProperties>
-          <inkml:channelProperty channel="X" name="resolution" value="1000" units="1/cm"/>
-          <inkml:channelProperty channel="Y" name="resolution" value="1000" units="1/cm"/>
-          <inkml:channelProperty channel="F" name="resolution" value="0" units="1/dev"/>
-        </inkml:channelProperties>
-      </inkml:inkSource>
-      <inkml:timestamp xml:id="ts0" timeString="2025-06-13T09:01:40.166"/>
-    </inkml:context>
-    <inkml:brush xml:id="br0">
-      <inkml:brushProperty name="width" value="0.2" units="cm"/>
-      <inkml:brushProperty name="height" value="0.2" units="cm"/>
-    </inkml:brush>
-  </inkml:definitions>
-  <inkml:trace contextRef="#ctx0" brushRef="#br0">0 1 24575,'4526'0'-1365</inkml:trace>
-</inkml:ink>
-</file>
-
 <file path=ppt/notesMasters/notesMaster1.xml><?xml version="1.0" encoding="utf-8"?>
 <p:notesMaster xmlns:a="http://schemas.openxmlformats.org/drawingml/2006/main" xmlns:r="http://schemas.openxmlformats.org/officeDocument/2006/relationships" xmlns:p="http://schemas.openxmlformats.org/presentationml/2006/main">
   <p:cSld>
@@ -305,7 +197,7 @@
           <a:p>
             <a:fld id="{78866171-9DDB-4809-BDF5-CAB762F40D7F}" type="datetimeFigureOut">
               <a:rPr lang="en-GB" smtClean="0"/>
-              <a:t>13/06/2025</a:t>
+              <a:t>17/06/2025</a:t>
             </a:fld>
             <a:endParaRPr lang="en-GB"/>
           </a:p>
@@ -777,7 +669,7 @@
           <a:p>
             <a:fld id="{627ED9C8-F09A-4D9E-BEC0-4725162E21FF}" type="datetimeFigureOut">
               <a:rPr lang="en-US" smtClean="0"/>
-              <a:t>6/13/2025</a:t>
+              <a:t>6/17/2025</a:t>
             </a:fld>
             <a:endParaRPr lang="en-US"/>
           </a:p>
@@ -945,7 +837,7 @@
           <a:p>
             <a:fld id="{627ED9C8-F09A-4D9E-BEC0-4725162E21FF}" type="datetimeFigureOut">
               <a:rPr lang="en-US" smtClean="0"/>
-              <a:t>6/13/2025</a:t>
+              <a:t>6/17/2025</a:t>
             </a:fld>
             <a:endParaRPr lang="en-US"/>
           </a:p>
@@ -1123,7 +1015,7 @@
           <a:p>
             <a:fld id="{627ED9C8-F09A-4D9E-BEC0-4725162E21FF}" type="datetimeFigureOut">
               <a:rPr lang="en-US" smtClean="0"/>
-              <a:t>6/13/2025</a:t>
+              <a:t>6/17/2025</a:t>
             </a:fld>
             <a:endParaRPr lang="en-US"/>
           </a:p>
@@ -1291,7 +1183,7 @@
           <a:p>
             <a:fld id="{627ED9C8-F09A-4D9E-BEC0-4725162E21FF}" type="datetimeFigureOut">
               <a:rPr lang="en-US" smtClean="0"/>
-              <a:t>6/13/2025</a:t>
+              <a:t>6/17/2025</a:t>
             </a:fld>
             <a:endParaRPr lang="en-US"/>
           </a:p>
@@ -1536,7 +1428,7 @@
           <a:p>
             <a:fld id="{627ED9C8-F09A-4D9E-BEC0-4725162E21FF}" type="datetimeFigureOut">
               <a:rPr lang="en-US" smtClean="0"/>
-              <a:t>6/13/2025</a:t>
+              <a:t>6/17/2025</a:t>
             </a:fld>
             <a:endParaRPr lang="en-US"/>
           </a:p>
@@ -1765,7 +1657,7 @@
           <a:p>
             <a:fld id="{627ED9C8-F09A-4D9E-BEC0-4725162E21FF}" type="datetimeFigureOut">
               <a:rPr lang="en-US" smtClean="0"/>
-              <a:t>6/13/2025</a:t>
+              <a:t>6/17/2025</a:t>
             </a:fld>
             <a:endParaRPr lang="en-US"/>
           </a:p>
@@ -2129,7 +2021,7 @@
           <a:p>
             <a:fld id="{627ED9C8-F09A-4D9E-BEC0-4725162E21FF}" type="datetimeFigureOut">
               <a:rPr lang="en-US" smtClean="0"/>
-              <a:t>6/13/2025</a:t>
+              <a:t>6/17/2025</a:t>
             </a:fld>
             <a:endParaRPr lang="en-US"/>
           </a:p>
@@ -2246,7 +2138,7 @@
           <a:p>
             <a:fld id="{627ED9C8-F09A-4D9E-BEC0-4725162E21FF}" type="datetimeFigureOut">
               <a:rPr lang="en-US" smtClean="0"/>
-              <a:t>6/13/2025</a:t>
+              <a:t>6/17/2025</a:t>
             </a:fld>
             <a:endParaRPr lang="en-US"/>
           </a:p>
@@ -2341,7 +2233,7 @@
           <a:p>
             <a:fld id="{627ED9C8-F09A-4D9E-BEC0-4725162E21FF}" type="datetimeFigureOut">
               <a:rPr lang="en-US" smtClean="0"/>
-              <a:t>6/13/2025</a:t>
+              <a:t>6/17/2025</a:t>
             </a:fld>
             <a:endParaRPr lang="en-US"/>
           </a:p>
@@ -2616,7 +2508,7 @@
           <a:p>
             <a:fld id="{627ED9C8-F09A-4D9E-BEC0-4725162E21FF}" type="datetimeFigureOut">
               <a:rPr lang="en-US" smtClean="0"/>
-              <a:t>6/13/2025</a:t>
+              <a:t>6/17/2025</a:t>
             </a:fld>
             <a:endParaRPr lang="en-US"/>
           </a:p>
@@ -2868,7 +2760,7 @@
           <a:p>
             <a:fld id="{627ED9C8-F09A-4D9E-BEC0-4725162E21FF}" type="datetimeFigureOut">
               <a:rPr lang="en-US" smtClean="0"/>
-              <a:t>6/13/2025</a:t>
+              <a:t>6/17/2025</a:t>
             </a:fld>
             <a:endParaRPr lang="en-US"/>
           </a:p>
@@ -3079,7 +2971,7 @@
           <a:p>
             <a:fld id="{627ED9C8-F09A-4D9E-BEC0-4725162E21FF}" type="datetimeFigureOut">
               <a:rPr lang="en-US" smtClean="0"/>
-              <a:t>6/13/2025</a:t>
+              <a:t>6/17/2025</a:t>
             </a:fld>
             <a:endParaRPr lang="en-US"/>
           </a:p>
@@ -3532,210 +3424,6 @@
           </a:p>
         </p:txBody>
       </p:sp>
-      <mc:AlternateContent xmlns:mc="http://schemas.openxmlformats.org/markup-compatibility/2006">
-        <mc:Choice xmlns:p14="http://schemas.microsoft.com/office/powerpoint/2010/main" Requires="p14">
-          <p:contentPart p14:bwMode="auto" r:id="rId5">
-            <p14:nvContentPartPr>
-              <p14:cNvPr id="8" name="Ink 7">
-                <a:extLst>
-                  <a:ext uri="{FF2B5EF4-FFF2-40B4-BE49-F238E27FC236}">
-                    <a16:creationId xmlns:a16="http://schemas.microsoft.com/office/drawing/2014/main" id="{CB990BD7-1F49-3BE1-C70D-F2D903DAA826}"/>
-                  </a:ext>
-                </a:extLst>
-              </p14:cNvPr>
-              <p14:cNvContentPartPr/>
-              <p14:nvPr/>
-            </p14:nvContentPartPr>
-            <p14:xfrm>
-              <a:off x="2872158" y="3627454"/>
-              <a:ext cx="2436120" cy="360"/>
-            </p14:xfrm>
-          </p:contentPart>
-        </mc:Choice>
-        <mc:Fallback>
-          <p:pic>
-            <p:nvPicPr>
-              <p:cNvPr id="8" name="Ink 7">
-                <a:extLst>
-                  <a:ext uri="{FF2B5EF4-FFF2-40B4-BE49-F238E27FC236}">
-                    <a16:creationId xmlns:a16="http://schemas.microsoft.com/office/drawing/2014/main" id="{CB990BD7-1F49-3BE1-C70D-F2D903DAA826}"/>
-                  </a:ext>
-                </a:extLst>
-              </p:cNvPr>
-              <p:cNvPicPr/>
-              <p:nvPr/>
-            </p:nvPicPr>
-            <p:blipFill>
-              <a:blip r:embed="rId6"/>
-              <a:stretch>
-                <a:fillRect/>
-              </a:stretch>
-            </p:blipFill>
-            <p:spPr>
-              <a:xfrm>
-                <a:off x="2836518" y="3591814"/>
-                <a:ext cx="2507760" cy="72000"/>
-              </a:xfrm>
-              <a:prstGeom prst="rect">
-                <a:avLst/>
-              </a:prstGeom>
-            </p:spPr>
-          </p:pic>
-        </mc:Fallback>
-      </mc:AlternateContent>
-      <mc:AlternateContent xmlns:mc="http://schemas.openxmlformats.org/markup-compatibility/2006">
-        <mc:Choice xmlns:p14="http://schemas.microsoft.com/office/powerpoint/2010/main" Requires="p14">
-          <p:contentPart p14:bwMode="auto" r:id="rId7">
-            <p14:nvContentPartPr>
-              <p14:cNvPr id="15" name="Ink 14">
-                <a:extLst>
-                  <a:ext uri="{FF2B5EF4-FFF2-40B4-BE49-F238E27FC236}">
-                    <a16:creationId xmlns:a16="http://schemas.microsoft.com/office/drawing/2014/main" id="{EBBC832C-2A8D-40E2-F576-5FA2DC01A850}"/>
-                  </a:ext>
-                </a:extLst>
-              </p14:cNvPr>
-              <p14:cNvContentPartPr/>
-              <p14:nvPr/>
-            </p14:nvContentPartPr>
-            <p14:xfrm>
-              <a:off x="2873053" y="3816626"/>
-              <a:ext cx="2435225" cy="0"/>
-            </p14:xfrm>
-          </p:contentPart>
-        </mc:Choice>
-        <mc:Fallback>
-          <p:pic>
-            <p:nvPicPr>
-              <p:cNvPr id="15" name="Ink 14">
-                <a:extLst>
-                  <a:ext uri="{FF2B5EF4-FFF2-40B4-BE49-F238E27FC236}">
-                    <a16:creationId xmlns:a16="http://schemas.microsoft.com/office/drawing/2014/main" id="{EBBC832C-2A8D-40E2-F576-5FA2DC01A850}"/>
-                  </a:ext>
-                </a:extLst>
-              </p:cNvPr>
-              <p:cNvPicPr/>
-              <p:nvPr/>
-            </p:nvPicPr>
-            <p:blipFill>
-              <a:blip r:embed="rId8"/>
-              <a:stretch>
-                <a:fillRect/>
-              </a:stretch>
-            </p:blipFill>
-            <p:spPr>
-              <a:xfrm>
-                <a:off x="2837061" y="3816626"/>
-                <a:ext cx="2506849" cy="0"/>
-              </a:xfrm>
-              <a:prstGeom prst="rect">
-                <a:avLst/>
-              </a:prstGeom>
-            </p:spPr>
-          </p:pic>
-        </mc:Fallback>
-      </mc:AlternateContent>
-      <mc:AlternateContent xmlns:mc="http://schemas.openxmlformats.org/markup-compatibility/2006">
-        <mc:Choice xmlns:p14="http://schemas.microsoft.com/office/powerpoint/2010/main" Requires="p14">
-          <p:contentPart p14:bwMode="auto" r:id="rId9">
-            <p14:nvContentPartPr>
-              <p14:cNvPr id="16" name="Ink 15">
-                <a:extLst>
-                  <a:ext uri="{FF2B5EF4-FFF2-40B4-BE49-F238E27FC236}">
-                    <a16:creationId xmlns:a16="http://schemas.microsoft.com/office/drawing/2014/main" id="{DABDA107-100B-932C-709A-8AF4539404D3}"/>
-                  </a:ext>
-                </a:extLst>
-              </p14:cNvPr>
-              <p14:cNvContentPartPr/>
-              <p14:nvPr/>
-            </p14:nvContentPartPr>
-            <p14:xfrm>
-              <a:off x="2873052" y="4624680"/>
-              <a:ext cx="2682921" cy="360"/>
-            </p14:xfrm>
-          </p:contentPart>
-        </mc:Choice>
-        <mc:Fallback>
-          <p:pic>
-            <p:nvPicPr>
-              <p:cNvPr id="16" name="Ink 15">
-                <a:extLst>
-                  <a:ext uri="{FF2B5EF4-FFF2-40B4-BE49-F238E27FC236}">
-                    <a16:creationId xmlns:a16="http://schemas.microsoft.com/office/drawing/2014/main" id="{DABDA107-100B-932C-709A-8AF4539404D3}"/>
-                  </a:ext>
-                </a:extLst>
-              </p:cNvPr>
-              <p:cNvPicPr/>
-              <p:nvPr/>
-            </p:nvPicPr>
-            <p:blipFill>
-              <a:blip r:embed="rId10"/>
-              <a:stretch>
-                <a:fillRect/>
-              </a:stretch>
-            </p:blipFill>
-            <p:spPr>
-              <a:xfrm>
-                <a:off x="2837409" y="4589040"/>
-                <a:ext cx="2754566" cy="72000"/>
-              </a:xfrm>
-              <a:prstGeom prst="rect">
-                <a:avLst/>
-              </a:prstGeom>
-            </p:spPr>
-          </p:pic>
-        </mc:Fallback>
-      </mc:AlternateContent>
-      <mc:AlternateContent xmlns:mc="http://schemas.openxmlformats.org/markup-compatibility/2006">
-        <mc:Choice xmlns:p14="http://schemas.microsoft.com/office/powerpoint/2010/main" Requires="p14">
-          <p:contentPart p14:bwMode="auto" r:id="rId11">
-            <p14:nvContentPartPr>
-              <p14:cNvPr id="17" name="Ink 16">
-                <a:extLst>
-                  <a:ext uri="{FF2B5EF4-FFF2-40B4-BE49-F238E27FC236}">
-                    <a16:creationId xmlns:a16="http://schemas.microsoft.com/office/drawing/2014/main" id="{B7E64207-3C00-25AB-3C66-A59DAA820CC7}"/>
-                  </a:ext>
-                </a:extLst>
-              </p14:cNvPr>
-              <p14:cNvContentPartPr/>
-              <p14:nvPr/>
-            </p14:nvContentPartPr>
-            <p14:xfrm>
-              <a:off x="2873053" y="4813133"/>
-              <a:ext cx="1629373" cy="360"/>
-            </p14:xfrm>
-          </p:contentPart>
-        </mc:Choice>
-        <mc:Fallback>
-          <p:pic>
-            <p:nvPicPr>
-              <p:cNvPr id="17" name="Ink 16">
-                <a:extLst>
-                  <a:ext uri="{FF2B5EF4-FFF2-40B4-BE49-F238E27FC236}">
-                    <a16:creationId xmlns:a16="http://schemas.microsoft.com/office/drawing/2014/main" id="{B7E64207-3C00-25AB-3C66-A59DAA820CC7}"/>
-                  </a:ext>
-                </a:extLst>
-              </p:cNvPr>
-              <p:cNvPicPr/>
-              <p:nvPr/>
-            </p:nvPicPr>
-            <p:blipFill>
-              <a:blip r:embed="rId12"/>
-              <a:stretch>
-                <a:fillRect/>
-              </a:stretch>
-            </p:blipFill>
-            <p:spPr>
-              <a:xfrm>
-                <a:off x="2837053" y="4777493"/>
-                <a:ext cx="1701014" cy="72000"/>
-              </a:xfrm>
-              <a:prstGeom prst="rect">
-                <a:avLst/>
-              </a:prstGeom>
-            </p:spPr>
-          </p:pic>
-        </mc:Fallback>
-      </mc:AlternateContent>
     </p:spTree>
   </p:cSld>
   <p:clrMapOvr>
